--- a/Fig/Paper Figs/Arch_ND_Inf.pptx
+++ b/Fig/Paper Figs/Arch_ND_Inf.pptx
@@ -209,7 +209,7 @@
             <a:fld id="{E8B021B6-18E8-394A-9660-E0698FE537D8}" type="datetimeFigureOut">
               <a:rPr lang="en-US" smtClean="0"/>
               <a:pPr/>
-              <a:t>11/3/22</a:t>
+              <a:t>1/4/23</a:t>
             </a:fld>
             <a:endParaRPr lang="en-US" dirty="0"/>
           </a:p>
@@ -659,7 +659,7 @@
             <a:fld id="{423839E0-6127-7048-A4DA-64E2F6DF927A}" type="datetimeFigureOut">
               <a:rPr lang="en-US" smtClean="0"/>
               <a:pPr/>
-              <a:t>11/3/22</a:t>
+              <a:t>1/4/23</a:t>
             </a:fld>
             <a:endParaRPr lang="en-US" dirty="0"/>
           </a:p>
@@ -824,7 +824,7 @@
             <a:fld id="{423839E0-6127-7048-A4DA-64E2F6DF927A}" type="datetimeFigureOut">
               <a:rPr lang="en-US" smtClean="0"/>
               <a:pPr/>
-              <a:t>11/3/22</a:t>
+              <a:t>1/4/23</a:t>
             </a:fld>
             <a:endParaRPr lang="en-US" dirty="0"/>
           </a:p>
@@ -999,7 +999,7 @@
             <a:fld id="{423839E0-6127-7048-A4DA-64E2F6DF927A}" type="datetimeFigureOut">
               <a:rPr lang="en-US" smtClean="0"/>
               <a:pPr/>
-              <a:t>11/3/22</a:t>
+              <a:t>1/4/23</a:t>
             </a:fld>
             <a:endParaRPr lang="en-US" dirty="0"/>
           </a:p>
@@ -1164,7 +1164,7 @@
             <a:fld id="{423839E0-6127-7048-A4DA-64E2F6DF927A}" type="datetimeFigureOut">
               <a:rPr lang="en-US" smtClean="0"/>
               <a:pPr/>
-              <a:t>11/3/22</a:t>
+              <a:t>1/4/23</a:t>
             </a:fld>
             <a:endParaRPr lang="en-US" dirty="0"/>
           </a:p>
@@ -1406,7 +1406,7 @@
             <a:fld id="{423839E0-6127-7048-A4DA-64E2F6DF927A}" type="datetimeFigureOut">
               <a:rPr lang="en-US" smtClean="0"/>
               <a:pPr/>
-              <a:t>11/3/22</a:t>
+              <a:t>1/4/23</a:t>
             </a:fld>
             <a:endParaRPr lang="en-US" dirty="0"/>
           </a:p>
@@ -1688,7 +1688,7 @@
             <a:fld id="{423839E0-6127-7048-A4DA-64E2F6DF927A}" type="datetimeFigureOut">
               <a:rPr lang="en-US" smtClean="0"/>
               <a:pPr/>
-              <a:t>11/3/22</a:t>
+              <a:t>1/4/23</a:t>
             </a:fld>
             <a:endParaRPr lang="en-US" dirty="0"/>
           </a:p>
@@ -2104,7 +2104,7 @@
             <a:fld id="{423839E0-6127-7048-A4DA-64E2F6DF927A}" type="datetimeFigureOut">
               <a:rPr lang="en-US" smtClean="0"/>
               <a:pPr/>
-              <a:t>11/3/22</a:t>
+              <a:t>1/4/23</a:t>
             </a:fld>
             <a:endParaRPr lang="en-US" dirty="0"/>
           </a:p>
@@ -2218,7 +2218,7 @@
             <a:fld id="{423839E0-6127-7048-A4DA-64E2F6DF927A}" type="datetimeFigureOut">
               <a:rPr lang="en-US" smtClean="0"/>
               <a:pPr/>
-              <a:t>11/3/22</a:t>
+              <a:t>1/4/23</a:t>
             </a:fld>
             <a:endParaRPr lang="en-US" dirty="0"/>
           </a:p>
@@ -2310,7 +2310,7 @@
             <a:fld id="{423839E0-6127-7048-A4DA-64E2F6DF927A}" type="datetimeFigureOut">
               <a:rPr lang="en-US" smtClean="0"/>
               <a:pPr/>
-              <a:t>11/3/22</a:t>
+              <a:t>1/4/23</a:t>
             </a:fld>
             <a:endParaRPr lang="en-US" dirty="0"/>
           </a:p>
@@ -2582,7 +2582,7 @@
             <a:fld id="{423839E0-6127-7048-A4DA-64E2F6DF927A}" type="datetimeFigureOut">
               <a:rPr lang="en-US" smtClean="0"/>
               <a:pPr/>
-              <a:t>11/3/22</a:t>
+              <a:t>1/4/23</a:t>
             </a:fld>
             <a:endParaRPr lang="en-US" dirty="0"/>
           </a:p>
@@ -2831,7 +2831,7 @@
             <a:fld id="{423839E0-6127-7048-A4DA-64E2F6DF927A}" type="datetimeFigureOut">
               <a:rPr lang="en-US" smtClean="0"/>
               <a:pPr/>
-              <a:t>11/3/22</a:t>
+              <a:t>1/4/23</a:t>
             </a:fld>
             <a:endParaRPr lang="en-US" dirty="0"/>
           </a:p>
@@ -3039,7 +3039,7 @@
             <a:fld id="{423839E0-6127-7048-A4DA-64E2F6DF927A}" type="datetimeFigureOut">
               <a:rPr lang="en-US" smtClean="0"/>
               <a:pPr/>
-              <a:t>11/3/22</a:t>
+              <a:t>1/4/23</a:t>
             </a:fld>
             <a:endParaRPr lang="en-US" dirty="0"/>
           </a:p>
@@ -3759,8 +3759,8 @@
         </p:nvSpPr>
         <p:spPr>
           <a:xfrm>
-            <a:off x="5513685" y="2953453"/>
-            <a:ext cx="420243" cy="307777"/>
+            <a:off x="5476011" y="2975225"/>
+            <a:ext cx="452047" cy="338554"/>
           </a:xfrm>
           <a:prstGeom prst="rect">
             <a:avLst/>
@@ -3775,10 +3775,10 @@
           <a:p>
             <a:pPr algn="ctr"/>
             <a:r>
-              <a:rPr lang="en-US" sz="1400" dirty="0"/>
+              <a:rPr lang="en-US" sz="1600" dirty="0"/>
               <a:t>Yes</a:t>
             </a:r>
-            <a:endParaRPr lang="en-US" dirty="0"/>
+            <a:endParaRPr lang="en-US" sz="2000" dirty="0"/>
           </a:p>
         </p:txBody>
       </p:sp>
@@ -4033,7 +4033,7 @@
         <p:spPr>
           <a:xfrm>
             <a:off x="7603938" y="3943574"/>
-            <a:ext cx="1518066" cy="738664"/>
+            <a:ext cx="1518066" cy="1077218"/>
           </a:xfrm>
           <a:prstGeom prst="rect">
             <a:avLst/>
@@ -4048,8 +4048,8 @@
           <a:p>
             <a:pPr algn="ctr"/>
             <a:r>
-              <a:rPr lang="en-US" sz="1400" dirty="0"/>
-              <a:t>Parameter Values with Maximum Determinism</a:t>
+              <a:rPr lang="en-US" sz="1600" dirty="0"/>
+              <a:t>Parameter Values With Maximum Determinism</a:t>
             </a:r>
           </a:p>
         </p:txBody>
@@ -4107,8 +4107,8 @@
         </p:nvSpPr>
         <p:spPr>
           <a:xfrm>
-            <a:off x="5330140" y="3420354"/>
-            <a:ext cx="1169230" cy="523220"/>
+            <a:off x="5163095" y="3420354"/>
+            <a:ext cx="1557747" cy="584775"/>
           </a:xfrm>
           <a:prstGeom prst="rect">
             <a:avLst/>
@@ -4123,14 +4123,14 @@
           <a:p>
             <a:pPr algn="ctr"/>
             <a:r>
-              <a:rPr lang="en-US" sz="1400" dirty="0"/>
+              <a:rPr lang="en-US" sz="1600" dirty="0"/>
               <a:t>Cross-run ARI</a:t>
             </a:r>
           </a:p>
           <a:p>
             <a:pPr algn="ctr"/>
             <a:r>
-              <a:rPr lang="en-US" sz="1400" dirty="0"/>
+              <a:rPr lang="en-US" sz="1600" dirty="0"/>
               <a:t>Improved?</a:t>
             </a:r>
           </a:p>
@@ -4150,8 +4150,8 @@
         </p:nvSpPr>
         <p:spPr>
           <a:xfrm>
-            <a:off x="4943053" y="1500238"/>
-            <a:ext cx="1949570" cy="376773"/>
+            <a:off x="4943053" y="1441288"/>
+            <a:ext cx="1949570" cy="435724"/>
           </a:xfrm>
           <a:prstGeom prst="rect">
             <a:avLst/>
@@ -4178,7 +4178,7 @@
           <a:p>
             <a:pPr algn="ctr"/>
             <a:r>
-              <a:rPr lang="en-US" sz="1400" dirty="0"/>
+              <a:rPr lang="en-US" sz="1600" dirty="0"/>
               <a:t>Next Parameter/Value </a:t>
             </a:r>
           </a:p>
@@ -4202,8 +4202,8 @@
         </p:nvCxnSpPr>
         <p:spPr>
           <a:xfrm flipV="1">
-            <a:off x="5922681" y="2891526"/>
-            <a:ext cx="3104" cy="327486"/>
+            <a:off x="5922681" y="2938608"/>
+            <a:ext cx="3104" cy="280404"/>
           </a:xfrm>
           <a:prstGeom prst="straightConnector1">
             <a:avLst/>
@@ -4247,8 +4247,8 @@
         </p:nvSpPr>
         <p:spPr>
           <a:xfrm>
-            <a:off x="6612808" y="3298241"/>
-            <a:ext cx="394660" cy="307777"/>
+            <a:off x="6596778" y="3298241"/>
+            <a:ext cx="426720" cy="338554"/>
           </a:xfrm>
           <a:prstGeom prst="rect">
             <a:avLst/>
@@ -4263,10 +4263,10 @@
           <a:p>
             <a:pPr algn="ctr"/>
             <a:r>
-              <a:rPr lang="en-US" sz="1400" dirty="0"/>
+              <a:rPr lang="en-US" sz="1600" dirty="0"/>
               <a:t>No</a:t>
             </a:r>
-            <a:endParaRPr lang="en-US" dirty="0"/>
+            <a:endParaRPr lang="en-US" sz="2000" dirty="0"/>
           </a:p>
         </p:txBody>
       </p:sp>
@@ -4284,8 +4284,8 @@
         </p:nvSpPr>
         <p:spPr>
           <a:xfrm>
-            <a:off x="5042041" y="2186684"/>
-            <a:ext cx="1767487" cy="704842"/>
+            <a:off x="5042041" y="2128847"/>
+            <a:ext cx="1767487" cy="809761"/>
           </a:xfrm>
           <a:prstGeom prst="flowChartDecision">
             <a:avLst/>
@@ -4329,8 +4329,8 @@
         </p:nvSpPr>
         <p:spPr>
           <a:xfrm>
-            <a:off x="5308376" y="2278348"/>
-            <a:ext cx="1234815" cy="523220"/>
+            <a:off x="5308376" y="2223918"/>
+            <a:ext cx="1234815" cy="584775"/>
           </a:xfrm>
           <a:prstGeom prst="rect">
             <a:avLst/>
@@ -4345,14 +4345,14 @@
           <a:p>
             <a:pPr algn="ctr"/>
             <a:r>
-              <a:rPr lang="en-US" sz="1400" dirty="0"/>
+              <a:rPr lang="en-US" sz="1600" dirty="0"/>
               <a:t>F1 Score</a:t>
             </a:r>
           </a:p>
           <a:p>
             <a:pPr algn="ctr"/>
             <a:r>
-              <a:rPr lang="en-US" sz="1400" dirty="0"/>
+              <a:rPr lang="en-US" sz="1600" dirty="0"/>
               <a:t>Decreased?</a:t>
             </a:r>
           </a:p>
@@ -4376,8 +4376,8 @@
         </p:nvCxnSpPr>
         <p:spPr>
           <a:xfrm flipH="1" flipV="1">
-            <a:off x="5917838" y="1877011"/>
-            <a:ext cx="7947" cy="309673"/>
+            <a:off x="5917838" y="1877012"/>
+            <a:ext cx="7947" cy="251835"/>
           </a:xfrm>
           <a:prstGeom prst="straightConnector1">
             <a:avLst/>
@@ -4421,8 +4421,8 @@
         </p:nvSpPr>
         <p:spPr>
           <a:xfrm>
-            <a:off x="5568191" y="1963570"/>
-            <a:ext cx="394660" cy="307777"/>
+            <a:off x="5497731" y="1898254"/>
+            <a:ext cx="426720" cy="338554"/>
           </a:xfrm>
           <a:prstGeom prst="rect">
             <a:avLst/>
@@ -4437,10 +4437,10 @@
           <a:p>
             <a:pPr algn="ctr"/>
             <a:r>
-              <a:rPr lang="en-US" sz="1400" dirty="0"/>
+              <a:rPr lang="en-US" sz="1600" dirty="0"/>
               <a:t>No</a:t>
             </a:r>
-            <a:endParaRPr lang="en-US" dirty="0"/>
+            <a:endParaRPr lang="en-US" sz="2000" dirty="0"/>
           </a:p>
         </p:txBody>
       </p:sp>
@@ -4506,8 +4506,8 @@
         </p:nvSpPr>
         <p:spPr>
           <a:xfrm>
-            <a:off x="6645366" y="2183519"/>
-            <a:ext cx="420243" cy="307777"/>
+            <a:off x="6629464" y="2183519"/>
+            <a:ext cx="452047" cy="338554"/>
           </a:xfrm>
           <a:prstGeom prst="rect">
             <a:avLst/>
@@ -4522,10 +4522,10 @@
           <a:p>
             <a:pPr algn="ctr"/>
             <a:r>
-              <a:rPr lang="en-US" sz="1400" dirty="0"/>
+              <a:rPr lang="en-US" sz="1600" dirty="0"/>
               <a:t>Yes</a:t>
             </a:r>
-            <a:endParaRPr lang="en-US" dirty="0"/>
+            <a:endParaRPr lang="en-US" sz="2000" dirty="0"/>
           </a:p>
         </p:txBody>
       </p:sp>
@@ -4545,9 +4545,9 @@
           <p:nvPr/>
         </p:nvCxnSpPr>
         <p:spPr>
-          <a:xfrm flipH="1">
-            <a:off x="6809528" y="2534657"/>
-            <a:ext cx="1526057" cy="4448"/>
+          <a:xfrm flipH="1" flipV="1">
+            <a:off x="6809528" y="2533728"/>
+            <a:ext cx="1526057" cy="929"/>
           </a:xfrm>
           <a:prstGeom prst="line">
             <a:avLst/>
